--- a/docs/_static/architecture.pptx
+++ b/docs/_static/architecture.pptx
@@ -104,6 +104,11 @@
       </a:defRPr>
     </a:lvl9pPr>
   </p:defaultTextStyle>
+  <p:extLst>
+    <p:ext uri="{EFAFB233-063F-42B5-8137-9DF3F51BA10A}">
+      <p15:sldGuideLst xmlns:p15="http://schemas.microsoft.com/office/powerpoint/2012/main"/>
+    </p:ext>
+  </p:extLst>
 </p:presentation>
 </file>
 
@@ -238,7 +243,7 @@
           <a:p>
             <a:fld id="{344D2F91-5C4A-4E2D-B592-257684BF852F}" type="datetimeFigureOut">
               <a:rPr lang="en-US" smtClean="0"/>
-              <a:t>8/19/2018</a:t>
+              <a:t>7/21/2020</a:t>
             </a:fld>
             <a:endParaRPr lang="en-US"/>
           </a:p>
@@ -408,7 +413,7 @@
           <a:p>
             <a:fld id="{344D2F91-5C4A-4E2D-B592-257684BF852F}" type="datetimeFigureOut">
               <a:rPr lang="en-US" smtClean="0"/>
-              <a:t>8/19/2018</a:t>
+              <a:t>7/21/2020</a:t>
             </a:fld>
             <a:endParaRPr lang="en-US"/>
           </a:p>
@@ -588,7 +593,7 @@
           <a:p>
             <a:fld id="{344D2F91-5C4A-4E2D-B592-257684BF852F}" type="datetimeFigureOut">
               <a:rPr lang="en-US" smtClean="0"/>
-              <a:t>8/19/2018</a:t>
+              <a:t>7/21/2020</a:t>
             </a:fld>
             <a:endParaRPr lang="en-US"/>
           </a:p>
@@ -758,7 +763,7 @@
           <a:p>
             <a:fld id="{344D2F91-5C4A-4E2D-B592-257684BF852F}" type="datetimeFigureOut">
               <a:rPr lang="en-US" smtClean="0"/>
-              <a:t>8/19/2018</a:t>
+              <a:t>7/21/2020</a:t>
             </a:fld>
             <a:endParaRPr lang="en-US"/>
           </a:p>
@@ -1004,7 +1009,7 @@
           <a:p>
             <a:fld id="{344D2F91-5C4A-4E2D-B592-257684BF852F}" type="datetimeFigureOut">
               <a:rPr lang="en-US" smtClean="0"/>
-              <a:t>8/19/2018</a:t>
+              <a:t>7/21/2020</a:t>
             </a:fld>
             <a:endParaRPr lang="en-US"/>
           </a:p>
@@ -1236,7 +1241,7 @@
           <a:p>
             <a:fld id="{344D2F91-5C4A-4E2D-B592-257684BF852F}" type="datetimeFigureOut">
               <a:rPr lang="en-US" smtClean="0"/>
-              <a:t>8/19/2018</a:t>
+              <a:t>7/21/2020</a:t>
             </a:fld>
             <a:endParaRPr lang="en-US"/>
           </a:p>
@@ -1603,7 +1608,7 @@
           <a:p>
             <a:fld id="{344D2F91-5C4A-4E2D-B592-257684BF852F}" type="datetimeFigureOut">
               <a:rPr lang="en-US" smtClean="0"/>
-              <a:t>8/19/2018</a:t>
+              <a:t>7/21/2020</a:t>
             </a:fld>
             <a:endParaRPr lang="en-US"/>
           </a:p>
@@ -1721,7 +1726,7 @@
           <a:p>
             <a:fld id="{344D2F91-5C4A-4E2D-B592-257684BF852F}" type="datetimeFigureOut">
               <a:rPr lang="en-US" smtClean="0"/>
-              <a:t>8/19/2018</a:t>
+              <a:t>7/21/2020</a:t>
             </a:fld>
             <a:endParaRPr lang="en-US"/>
           </a:p>
@@ -1816,7 +1821,7 @@
           <a:p>
             <a:fld id="{344D2F91-5C4A-4E2D-B592-257684BF852F}" type="datetimeFigureOut">
               <a:rPr lang="en-US" smtClean="0"/>
-              <a:t>8/19/2018</a:t>
+              <a:t>7/21/2020</a:t>
             </a:fld>
             <a:endParaRPr lang="en-US"/>
           </a:p>
@@ -2093,7 +2098,7 @@
           <a:p>
             <a:fld id="{344D2F91-5C4A-4E2D-B592-257684BF852F}" type="datetimeFigureOut">
               <a:rPr lang="en-US" smtClean="0"/>
-              <a:t>8/19/2018</a:t>
+              <a:t>7/21/2020</a:t>
             </a:fld>
             <a:endParaRPr lang="en-US"/>
           </a:p>
@@ -2346,7 +2351,7 @@
           <a:p>
             <a:fld id="{344D2F91-5C4A-4E2D-B592-257684BF852F}" type="datetimeFigureOut">
               <a:rPr lang="en-US" smtClean="0"/>
-              <a:t>8/19/2018</a:t>
+              <a:t>7/21/2020</a:t>
             </a:fld>
             <a:endParaRPr lang="en-US"/>
           </a:p>
@@ -2559,7 +2564,7 @@
           <a:p>
             <a:fld id="{344D2F91-5C4A-4E2D-B592-257684BF852F}" type="datetimeFigureOut">
               <a:rPr lang="en-US" smtClean="0"/>
-              <a:t>8/19/2018</a:t>
+              <a:t>7/21/2020</a:t>
             </a:fld>
             <a:endParaRPr lang="en-US"/>
           </a:p>
@@ -3070,76 +3075,6 @@
       </p:pic>
       <p:pic>
         <p:nvPicPr>
-          <p:cNvPr id="8" name="Picture 2" descr="NEURON GUI"/>
-          <p:cNvPicPr>
-            <a:picLocks noChangeAspect="1" noChangeArrowheads="1"/>
-          </p:cNvPicPr>
-          <p:nvPr/>
-        </p:nvPicPr>
-        <p:blipFill rotWithShape="1">
-          <a:blip r:embed="rId3">
-            <a:extLst>
-              <a:ext uri="{28A0092B-C50C-407E-A947-70E740481C1C}">
-                <a14:useLocalDpi xmlns:a14="http://schemas.microsoft.com/office/drawing/2010/main" val="0"/>
-              </a:ext>
-            </a:extLst>
-          </a:blip>
-          <a:srcRect l="63194"/>
-          <a:stretch/>
-        </p:blipFill>
-        <p:spPr bwMode="auto">
-          <a:xfrm>
-            <a:off x="2982868" y="4384010"/>
-            <a:ext cx="2075409" cy="1495426"/>
-          </a:xfrm>
-          <a:prstGeom prst="rect">
-            <a:avLst/>
-          </a:prstGeom>
-          <a:solidFill>
-            <a:srgbClr val="FFFFFF">
-              <a:shade val="85000"/>
-            </a:srgbClr>
-          </a:solidFill>
-          <a:ln w="190500" cap="sq">
-            <a:solidFill>
-              <a:srgbClr val="FFFFFF"/>
-            </a:solidFill>
-            <a:miter lim="800000"/>
-          </a:ln>
-          <a:effectLst>
-            <a:outerShdw blurRad="65000" dist="50800" dir="12900000" kx="195000" ky="145000" algn="tl" rotWithShape="0">
-              <a:srgbClr val="000000">
-                <a:alpha val="30000"/>
-              </a:srgbClr>
-            </a:outerShdw>
-          </a:effectLst>
-          <a:scene3d>
-            <a:camera prst="orthographicFront">
-              <a:rot lat="0" lon="0" rev="360000"/>
-            </a:camera>
-            <a:lightRig rig="twoPt" dir="t">
-              <a:rot lat="0" lon="0" rev="7200000"/>
-            </a:lightRig>
-          </a:scene3d>
-          <a:sp3d contourW="12700">
-            <a:bevelT w="25400" h="19050"/>
-            <a:contourClr>
-              <a:srgbClr val="969696"/>
-            </a:contourClr>
-          </a:sp3d>
-          <a:extLst>
-            <a:ext uri="{909E8E84-426E-40DD-AFC4-6F175D3DCCD1}">
-              <a14:hiddenFill xmlns:a14="http://schemas.microsoft.com/office/drawing/2010/main">
-                <a:solidFill>
-                  <a:srgbClr val="FFFFFF"/>
-                </a:solidFill>
-              </a14:hiddenFill>
-            </a:ext>
-          </a:extLst>
-        </p:spPr>
-      </p:pic>
-      <p:pic>
-        <p:nvPicPr>
           <p:cNvPr id="1028" name="Picture 4" descr="https://download.blender.org/institute/logos/blenderlogocolor.png"/>
           <p:cNvPicPr>
             <a:picLocks noChangeAspect="1" noChangeArrowheads="1"/>
@@ -3278,54 +3213,6 @@
       </p:pic>
       <p:sp>
         <p:nvSpPr>
-          <p:cNvPr id="12" name="Right Arrow 11"/>
-          <p:cNvSpPr/>
-          <p:nvPr/>
-        </p:nvSpPr>
-        <p:spPr>
-          <a:xfrm>
-            <a:off x="5594465" y="4779818"/>
-            <a:ext cx="1197033" cy="798022"/>
-          </a:xfrm>
-          <a:prstGeom prst="rightArrow">
-            <a:avLst/>
-          </a:prstGeom>
-          <a:solidFill>
-            <a:srgbClr val="1C5585"/>
-          </a:solidFill>
-          <a:ln w="57150">
-            <a:solidFill>
-              <a:srgbClr val="FD6B05"/>
-            </a:solidFill>
-          </a:ln>
-        </p:spPr>
-        <p:style>
-          <a:lnRef idx="2">
-            <a:schemeClr val="accent5">
-              <a:shade val="50000"/>
-            </a:schemeClr>
-          </a:lnRef>
-          <a:fillRef idx="1">
-            <a:schemeClr val="accent5"/>
-          </a:fillRef>
-          <a:effectRef idx="0">
-            <a:schemeClr val="accent5"/>
-          </a:effectRef>
-          <a:fontRef idx="minor">
-            <a:schemeClr val="lt1"/>
-          </a:fontRef>
-        </p:style>
-        <p:txBody>
-          <a:bodyPr rtlCol="0" anchor="ctr"/>
-          <a:lstStyle/>
-          <a:p>
-            <a:pPr algn="ctr"/>
-            <a:endParaRPr lang="en-US"/>
-          </a:p>
-        </p:txBody>
-      </p:sp>
-      <p:sp>
-        <p:nvSpPr>
           <p:cNvPr id="13" name="TextBox 12"/>
           <p:cNvSpPr txBox="1"/>
           <p:nvPr/>
@@ -3368,7 +3255,15 @@
                   <a:schemeClr val="bg1"/>
                 </a:solidFill>
               </a:rPr>
-              <a:t>HOC/Python Library</a:t>
+              <a:t>Python </a:t>
+            </a:r>
+            <a:r>
+              <a:rPr lang="en-US" dirty="0" smtClean="0">
+                <a:solidFill>
+                  <a:schemeClr val="bg1"/>
+                </a:solidFill>
+              </a:rPr>
+              <a:t>Library</a:t>
             </a:r>
             <a:endParaRPr lang="en-US" dirty="0">
               <a:solidFill>
@@ -3480,6 +3375,103 @@
               <a:solidFill>
                 <a:srgbClr val="9CB6CC"/>
               </a:solidFill>
+            </a:endParaRPr>
+          </a:p>
+        </p:txBody>
+      </p:sp>
+      <p:sp>
+        <p:nvSpPr>
+          <p:cNvPr id="2" name="Left-Right Arrow 1"/>
+          <p:cNvSpPr/>
+          <p:nvPr/>
+        </p:nvSpPr>
+        <p:spPr>
+          <a:xfrm>
+            <a:off x="5386648" y="4613834"/>
+            <a:ext cx="1711748" cy="798021"/>
+          </a:xfrm>
+          <a:prstGeom prst="leftRightArrow">
+            <a:avLst/>
+          </a:prstGeom>
+          <a:solidFill>
+            <a:srgbClr val="1C5585"/>
+          </a:solidFill>
+          <a:ln w="57150">
+            <a:solidFill>
+              <a:srgbClr val="FD6B05"/>
+            </a:solidFill>
+          </a:ln>
+        </p:spPr>
+        <p:style>
+          <a:lnRef idx="2">
+            <a:schemeClr val="accent5">
+              <a:shade val="50000"/>
+            </a:schemeClr>
+          </a:lnRef>
+          <a:fillRef idx="1">
+            <a:schemeClr val="accent5"/>
+          </a:fillRef>
+          <a:effectRef idx="0">
+            <a:schemeClr val="accent5"/>
+          </a:effectRef>
+          <a:fontRef idx="minor">
+            <a:schemeClr val="lt1"/>
+          </a:fontRef>
+        </p:style>
+        <p:txBody>
+          <a:bodyPr rtlCol="0" anchor="ctr"/>
+          <a:lstStyle/>
+          <a:p>
+            <a:pPr algn="ctr"/>
+            <a:endParaRPr lang="en-US"/>
+          </a:p>
+        </p:txBody>
+      </p:sp>
+      <p:sp>
+        <p:nvSpPr>
+          <p:cNvPr id="3" name="TextBox 2"/>
+          <p:cNvSpPr txBox="1"/>
+          <p:nvPr/>
+        </p:nvSpPr>
+        <p:spPr>
+          <a:xfrm rot="21188163">
+            <a:off x="2749698" y="4794099"/>
+            <a:ext cx="2190363" cy="584775"/>
+          </a:xfrm>
+          <a:prstGeom prst="rect">
+            <a:avLst/>
+          </a:prstGeom>
+        </p:spPr>
+        <p:style>
+          <a:lnRef idx="2">
+            <a:schemeClr val="dk1">
+              <a:shade val="50000"/>
+            </a:schemeClr>
+          </a:lnRef>
+          <a:fillRef idx="1">
+            <a:schemeClr val="dk1"/>
+          </a:fillRef>
+          <a:effectRef idx="0">
+            <a:schemeClr val="dk1"/>
+          </a:effectRef>
+          <a:fontRef idx="minor">
+            <a:schemeClr val="lt1"/>
+          </a:fontRef>
+        </p:style>
+        <p:txBody>
+          <a:bodyPr wrap="square" rtlCol="0">
+            <a:spAutoFit/>
+          </a:bodyPr>
+          <a:lstStyle/>
+          <a:p>
+            <a:r>
+              <a:rPr lang="en-US" sz="1600" dirty="0" smtClean="0">
+                <a:latin typeface="Consolas" panose="020B0609020204030204" pitchFamily="49" charset="0"/>
+              </a:rPr>
+              <a:t>from blenderneuron import neuronstart</a:t>
+            </a:r>
+            <a:endParaRPr lang="en-US" sz="1600" dirty="0">
+              <a:latin typeface="Consolas" panose="020B0609020204030204" pitchFamily="49" charset="0"/>
             </a:endParaRPr>
           </a:p>
         </p:txBody>
